--- a/ppt/BigData05-Python.pptx
+++ b/ppt/BigData05-Python.pptx
@@ -5,18 +5,17 @@
     <p:sldMasterId id="2147483653" r:id="rId1"/>
   </p:sldMasterIdLst>
   <p:notesMasterIdLst>
-    <p:notesMasterId r:id="rId8"/>
+    <p:notesMasterId r:id="rId7"/>
   </p:notesMasterIdLst>
   <p:handoutMasterIdLst>
-    <p:handoutMasterId r:id="rId9"/>
+    <p:handoutMasterId r:id="rId8"/>
   </p:handoutMasterIdLst>
   <p:sldIdLst>
     <p:sldId id="264" r:id="rId2"/>
     <p:sldId id="266" r:id="rId3"/>
     <p:sldId id="285" r:id="rId4"/>
     <p:sldId id="283" r:id="rId5"/>
-    <p:sldId id="287" r:id="rId6"/>
-    <p:sldId id="265" r:id="rId7"/>
+    <p:sldId id="265" r:id="rId6"/>
   </p:sldIdLst>
   <p:sldSz cx="9144000" cy="6858000" type="screen4x3"/>
   <p:notesSz cx="6648450" cy="9782175"/>
@@ -4402,202 +4401,6 @@
 </file>
 
 <file path=ppt/slides/slide5.xml><?xml version="1.0" encoding="utf-8"?>
-<p:sld xmlns:a="http://schemas.openxmlformats.org/drawingml/2006/main" xmlns:r="http://schemas.openxmlformats.org/officeDocument/2006/relationships" xmlns:p="http://schemas.openxmlformats.org/presentationml/2006/main">
-  <p:cSld>
-    <p:spTree>
-      <p:nvGrpSpPr>
-        <p:cNvPr id="1" name=""/>
-        <p:cNvGrpSpPr/>
-        <p:nvPr/>
-      </p:nvGrpSpPr>
-      <p:grpSpPr>
-        <a:xfrm>
-          <a:off x="0" y="0"/>
-          <a:ext cx="0" cy="0"/>
-          <a:chOff x="0" y="0"/>
-          <a:chExt cx="0" cy="0"/>
-        </a:xfrm>
-      </p:grpSpPr>
-      <p:sp>
-        <p:nvSpPr>
-          <p:cNvPr id="2" name="Titre 1"/>
-          <p:cNvSpPr>
-            <a:spLocks noGrp="1"/>
-          </p:cNvSpPr>
-          <p:nvPr>
-            <p:ph type="title"/>
-          </p:nvPr>
-        </p:nvSpPr>
-        <p:spPr/>
-        <p:txBody>
-          <a:bodyPr/>
-          <a:lstStyle/>
-          <a:p>
-            <a:r>
-              <a:rPr lang="fr-FR" dirty="0"/>
-              <a:t>Fonctions</a:t>
-            </a:r>
-          </a:p>
-        </p:txBody>
-      </p:sp>
-      <p:sp>
-        <p:nvSpPr>
-          <p:cNvPr id="3" name="Espace réservé du contenu 2"/>
-          <p:cNvSpPr>
-            <a:spLocks noGrp="1"/>
-          </p:cNvSpPr>
-          <p:nvPr>
-            <p:ph idx="1"/>
-          </p:nvPr>
-        </p:nvSpPr>
-        <p:spPr/>
-        <p:txBody>
-          <a:bodyPr/>
-          <a:lstStyle/>
-          <a:p>
-            <a:pPr eaLnBrk="1" hangingPunct="1"/>
-            <a:r>
-              <a:rPr lang="fr-BE" altLang="fr-FR" dirty="0"/>
-              <a:t>Outre les fonctions de bases de Python, il est possible d’en définir de nouvelles grâce à l’instruction « </a:t>
-            </a:r>
-            <a:r>
-              <a:rPr lang="fr-BE" altLang="fr-FR" dirty="0" err="1"/>
-              <a:t>def</a:t>
-            </a:r>
-            <a:r>
-              <a:rPr lang="fr-BE" altLang="fr-FR" dirty="0"/>
-              <a:t> ».</a:t>
-            </a:r>
-          </a:p>
-          <a:p>
-            <a:pPr marL="0" indent="0" eaLnBrk="1" hangingPunct="1">
-              <a:buNone/>
-            </a:pPr>
-            <a:r>
-              <a:rPr lang="fr-BE" altLang="fr-FR" dirty="0"/>
-              <a:t>        </a:t>
-            </a:r>
-            <a:r>
-              <a:rPr lang="fr-BE" altLang="fr-FR" dirty="0" err="1">
-                <a:solidFill>
-                  <a:schemeClr val="accent2"/>
-                </a:solidFill>
-              </a:rPr>
-              <a:t>def</a:t>
-            </a:r>
-            <a:r>
-              <a:rPr lang="fr-BE" altLang="fr-FR" dirty="0">
-                <a:solidFill>
-                  <a:schemeClr val="accent2"/>
-                </a:solidFill>
-              </a:rPr>
-              <a:t> </a:t>
-            </a:r>
-            <a:r>
-              <a:rPr lang="fr-BE" altLang="fr-FR" dirty="0" err="1">
-                <a:solidFill>
-                  <a:schemeClr val="accent2"/>
-                </a:solidFill>
-              </a:rPr>
-              <a:t>nom_fct</a:t>
-            </a:r>
-            <a:r>
-              <a:rPr lang="fr-BE" altLang="fr-FR" dirty="0">
-                <a:solidFill>
-                  <a:schemeClr val="accent2"/>
-                </a:solidFill>
-              </a:rPr>
-              <a:t> (arg1,arg2,…,</a:t>
-            </a:r>
-            <a:r>
-              <a:rPr lang="fr-BE" altLang="fr-FR" dirty="0" err="1">
-                <a:solidFill>
-                  <a:schemeClr val="accent2"/>
-                </a:solidFill>
-              </a:rPr>
-              <a:t>argn</a:t>
-            </a:r>
-            <a:r>
-              <a:rPr lang="fr-BE" altLang="fr-FR" dirty="0">
-                <a:solidFill>
-                  <a:schemeClr val="accent2"/>
-                </a:solidFill>
-              </a:rPr>
-              <a:t>):</a:t>
-            </a:r>
-          </a:p>
-          <a:p>
-            <a:pPr marL="0" indent="0" eaLnBrk="1" hangingPunct="1">
-              <a:buNone/>
-            </a:pPr>
-            <a:r>
-              <a:rPr lang="fr-BE" altLang="fr-FR" dirty="0">
-                <a:solidFill>
-                  <a:schemeClr val="accent2"/>
-                </a:solidFill>
-              </a:rPr>
-              <a:t>                           &lt;instruction&gt;</a:t>
-            </a:r>
-          </a:p>
-          <a:p>
-            <a:pPr marL="0" indent="0" eaLnBrk="1" hangingPunct="1">
-              <a:buNone/>
-            </a:pPr>
-            <a:r>
-              <a:rPr lang="fr-BE" altLang="fr-FR" dirty="0">
-                <a:solidFill>
-                  <a:schemeClr val="accent2"/>
-                </a:solidFill>
-              </a:rPr>
-              <a:t>                            return &lt;valeur&gt;</a:t>
-            </a:r>
-          </a:p>
-          <a:p>
-            <a:pPr eaLnBrk="1" hangingPunct="1"/>
-            <a:r>
-              <a:rPr lang="fr-BE" altLang="fr-FR" dirty="0"/>
-              <a:t>La surcharge est </a:t>
-            </a:r>
-            <a:r>
-              <a:rPr lang="fr-BE" altLang="fr-FR"/>
-              <a:t>autorisée en Python 3</a:t>
-            </a:r>
-            <a:endParaRPr lang="fr-BE" altLang="fr-FR" dirty="0">
-              <a:solidFill>
-                <a:schemeClr val="accent2"/>
-              </a:solidFill>
-            </a:endParaRPr>
-          </a:p>
-          <a:p>
-            <a:pPr eaLnBrk="1" hangingPunct="1"/>
-            <a:endParaRPr lang="fr-BE" altLang="fr-FR" dirty="0">
-              <a:solidFill>
-                <a:schemeClr val="accent2"/>
-              </a:solidFill>
-            </a:endParaRPr>
-          </a:p>
-          <a:p>
-            <a:pPr marL="0" indent="0">
-              <a:buNone/>
-            </a:pPr>
-            <a:endParaRPr lang="fr-FR" dirty="0"/>
-          </a:p>
-        </p:txBody>
-      </p:sp>
-    </p:spTree>
-    <p:extLst>
-      <p:ext uri="{BB962C8B-B14F-4D97-AF65-F5344CB8AC3E}">
-        <p14:creationId xmlns:p14="http://schemas.microsoft.com/office/powerpoint/2010/main" val="2714324599"/>
-      </p:ext>
-    </p:extLst>
-  </p:cSld>
-  <p:clrMapOvr>
-    <a:masterClrMapping/>
-  </p:clrMapOvr>
-</p:sld>
-</file>
-
-<file path=ppt/slides/slide6.xml><?xml version="1.0" encoding="utf-8"?>
 <p:sld xmlns:a="http://schemas.openxmlformats.org/drawingml/2006/main" xmlns:r="http://schemas.openxmlformats.org/officeDocument/2006/relationships" xmlns:p="http://schemas.openxmlformats.org/presentationml/2006/main">
   <p:cSld>
     <p:spTree>
